--- a/Stock Prediction Program Instruction.pptx
+++ b/Stock Prediction Program Instruction.pptx
@@ -108,6 +108,11 @@
       </a:defRPr>
     </a:lvl9pPr>
   </p:defaultTextStyle>
+  <p:extLst>
+    <p:ext uri="{EFAFB233-063F-42B5-8137-9DF3F51BA10A}">
+      <p15:sldGuideLst xmlns:p15="http://schemas.microsoft.com/office/powerpoint/2012/main"/>
+    </p:ext>
+  </p:extLst>
 </p:presentation>
 </file>
 
@@ -3452,8 +3457,9 @@
           <a:p>
             <a:r>
               <a:rPr lang="en-US" altLang="ko-KR" dirty="0" smtClean="0"/>
-              <a:t>Python program.py</a:t>
-            </a:r>
+              <a:t>“Python program.py”</a:t>
+            </a:r>
+            <a:endParaRPr lang="en-US" altLang="ko-KR" dirty="0" smtClean="0"/>
           </a:p>
           <a:p>
             <a:pPr lvl="1"/>
@@ -3466,8 +3472,21 @@
             <a:pPr lvl="1"/>
             <a:r>
               <a:rPr lang="en-US" altLang="ko-KR" dirty="0" smtClean="0"/>
-              <a:t>If you want CNN+LSTM combined version, use python program.py Combined</a:t>
-            </a:r>
+              <a:t>If you want CNN+LSTM combined version, use </a:t>
+            </a:r>
+            <a:r>
+              <a:rPr lang="en-US" altLang="ko-KR" dirty="0" smtClean="0"/>
+              <a:t>“python </a:t>
+            </a:r>
+            <a:r>
+              <a:rPr lang="en-US" altLang="ko-KR" dirty="0" smtClean="0"/>
+              <a:t>program.py </a:t>
+            </a:r>
+            <a:r>
+              <a:rPr lang="en-US" altLang="ko-KR" dirty="0" smtClean="0"/>
+              <a:t>Combined”</a:t>
+            </a:r>
+            <a:endParaRPr lang="en-US" altLang="ko-KR" dirty="0" smtClean="0"/>
           </a:p>
           <a:p>
             <a:endParaRPr lang="en-US" altLang="ko-KR" dirty="0"/>
